--- a/LHC_MKI/figures/mki-design-layouts/alternative_screen_design.pptx
+++ b/LHC_MKI/figures/mki-design-layouts/alternative_screen_design.pptx
@@ -289,7 +289,7 @@
             <a:fld id="{933C7AF9-CE08-4F2A-8C1C-214B27C14414}" type="datetimeFigureOut">
               <a:rPr lang="en-GB" smtClean="0"/>
               <a:pPr/>
-              <a:t>28/11/2012</a:t>
+              <a:t>23/01/2013</a:t>
             </a:fld>
             <a:endParaRPr lang="en-GB"/>
           </a:p>
@@ -456,7 +456,7 @@
             <a:fld id="{933C7AF9-CE08-4F2A-8C1C-214B27C14414}" type="datetimeFigureOut">
               <a:rPr lang="en-GB" smtClean="0"/>
               <a:pPr/>
-              <a:t>28/11/2012</a:t>
+              <a:t>23/01/2013</a:t>
             </a:fld>
             <a:endParaRPr lang="en-GB"/>
           </a:p>
@@ -633,7 +633,7 @@
             <a:fld id="{933C7AF9-CE08-4F2A-8C1C-214B27C14414}" type="datetimeFigureOut">
               <a:rPr lang="en-GB" smtClean="0"/>
               <a:pPr/>
-              <a:t>28/11/2012</a:t>
+              <a:t>23/01/2013</a:t>
             </a:fld>
             <a:endParaRPr lang="en-GB"/>
           </a:p>
@@ -800,7 +800,7 @@
             <a:fld id="{933C7AF9-CE08-4F2A-8C1C-214B27C14414}" type="datetimeFigureOut">
               <a:rPr lang="en-GB" smtClean="0"/>
               <a:pPr/>
-              <a:t>28/11/2012</a:t>
+              <a:t>23/01/2013</a:t>
             </a:fld>
             <a:endParaRPr lang="en-GB"/>
           </a:p>
@@ -1043,7 +1043,7 @@
             <a:fld id="{933C7AF9-CE08-4F2A-8C1C-214B27C14414}" type="datetimeFigureOut">
               <a:rPr lang="en-GB" smtClean="0"/>
               <a:pPr/>
-              <a:t>28/11/2012</a:t>
+              <a:t>23/01/2013</a:t>
             </a:fld>
             <a:endParaRPr lang="en-GB"/>
           </a:p>
@@ -1328,7 +1328,7 @@
             <a:fld id="{933C7AF9-CE08-4F2A-8C1C-214B27C14414}" type="datetimeFigureOut">
               <a:rPr lang="en-GB" smtClean="0"/>
               <a:pPr/>
-              <a:t>28/11/2012</a:t>
+              <a:t>23/01/2013</a:t>
             </a:fld>
             <a:endParaRPr lang="en-GB"/>
           </a:p>
@@ -1747,7 +1747,7 @@
             <a:fld id="{933C7AF9-CE08-4F2A-8C1C-214B27C14414}" type="datetimeFigureOut">
               <a:rPr lang="en-GB" smtClean="0"/>
               <a:pPr/>
-              <a:t>28/11/2012</a:t>
+              <a:t>23/01/2013</a:t>
             </a:fld>
             <a:endParaRPr lang="en-GB"/>
           </a:p>
@@ -1862,7 +1862,7 @@
             <a:fld id="{933C7AF9-CE08-4F2A-8C1C-214B27C14414}" type="datetimeFigureOut">
               <a:rPr lang="en-GB" smtClean="0"/>
               <a:pPr/>
-              <a:t>28/11/2012</a:t>
+              <a:t>23/01/2013</a:t>
             </a:fld>
             <a:endParaRPr lang="en-GB"/>
           </a:p>
@@ -1954,7 +1954,7 @@
             <a:fld id="{933C7AF9-CE08-4F2A-8C1C-214B27C14414}" type="datetimeFigureOut">
               <a:rPr lang="en-GB" smtClean="0"/>
               <a:pPr/>
-              <a:t>28/11/2012</a:t>
+              <a:t>23/01/2013</a:t>
             </a:fld>
             <a:endParaRPr lang="en-GB"/>
           </a:p>
@@ -2228,7 +2228,7 @@
             <a:fld id="{933C7AF9-CE08-4F2A-8C1C-214B27C14414}" type="datetimeFigureOut">
               <a:rPr lang="en-GB" smtClean="0"/>
               <a:pPr/>
-              <a:t>28/11/2012</a:t>
+              <a:t>23/01/2013</a:t>
             </a:fld>
             <a:endParaRPr lang="en-GB"/>
           </a:p>
@@ -2478,7 +2478,7 @@
             <a:fld id="{933C7AF9-CE08-4F2A-8C1C-214B27C14414}" type="datetimeFigureOut">
               <a:rPr lang="en-GB" smtClean="0"/>
               <a:pPr/>
-              <a:t>28/11/2012</a:t>
+              <a:t>23/01/2013</a:t>
             </a:fld>
             <a:endParaRPr lang="en-GB"/>
           </a:p>
@@ -2688,7 +2688,7 @@
             <a:fld id="{933C7AF9-CE08-4F2A-8C1C-214B27C14414}" type="datetimeFigureOut">
               <a:rPr lang="en-GB" smtClean="0"/>
               <a:pPr/>
-              <a:t>28/11/2012</a:t>
+              <a:t>23/01/2013</a:t>
             </a:fld>
             <a:endParaRPr lang="en-GB"/>
           </a:p>
@@ -3981,11 +3981,7 @@
           <a:p>
             <a:r>
               <a:rPr lang="en-GB" dirty="0" smtClean="0"/>
-              <a:t>External </a:t>
-            </a:r>
-            <a:r>
-              <a:rPr lang="en-GB" dirty="0" smtClean="0"/>
-              <a:t>Metallization</a:t>
+              <a:t>External Metallization</a:t>
             </a:r>
             <a:endParaRPr lang="en-GB" dirty="0"/>
           </a:p>
@@ -4351,6 +4347,102 @@
               <a:schemeClr val="tx1"/>
             </a:solidFill>
             <a:prstDash val="dash"/>
+          </a:ln>
+        </p:spPr>
+        <p:style>
+          <a:lnRef idx="2">
+            <a:schemeClr val="accent1">
+              <a:shade val="50000"/>
+            </a:schemeClr>
+          </a:lnRef>
+          <a:fillRef idx="1">
+            <a:schemeClr val="accent1"/>
+          </a:fillRef>
+          <a:effectRef idx="0">
+            <a:schemeClr val="accent1"/>
+          </a:effectRef>
+          <a:fontRef idx="minor">
+            <a:schemeClr val="lt1"/>
+          </a:fontRef>
+        </p:style>
+        <p:txBody>
+          <a:bodyPr rtlCol="0" anchor="ctr"/>
+          <a:lstStyle/>
+          <a:p>
+            <a:pPr algn="ctr"/>
+            <a:endParaRPr lang="en-GB"/>
+          </a:p>
+        </p:txBody>
+      </p:sp>
+      <p:sp>
+        <p:nvSpPr>
+          <p:cNvPr id="31" name="Rectangle 30"/>
+          <p:cNvSpPr/>
+          <p:nvPr/>
+        </p:nvSpPr>
+        <p:spPr>
+          <a:xfrm>
+            <a:off x="5904705" y="386353"/>
+            <a:ext cx="866245" cy="45719"/>
+          </a:xfrm>
+          <a:prstGeom prst="rect">
+            <a:avLst/>
+          </a:prstGeom>
+          <a:solidFill>
+            <a:schemeClr val="tx1"/>
+          </a:solidFill>
+          <a:ln>
+            <a:solidFill>
+              <a:schemeClr val="tx1"/>
+            </a:solidFill>
+          </a:ln>
+        </p:spPr>
+        <p:style>
+          <a:lnRef idx="2">
+            <a:schemeClr val="accent1">
+              <a:shade val="50000"/>
+            </a:schemeClr>
+          </a:lnRef>
+          <a:fillRef idx="1">
+            <a:schemeClr val="accent1"/>
+          </a:fillRef>
+          <a:effectRef idx="0">
+            <a:schemeClr val="accent1"/>
+          </a:effectRef>
+          <a:fontRef idx="minor">
+            <a:schemeClr val="lt1"/>
+          </a:fontRef>
+        </p:style>
+        <p:txBody>
+          <a:bodyPr rtlCol="0" anchor="ctr"/>
+          <a:lstStyle/>
+          <a:p>
+            <a:pPr algn="ctr"/>
+            <a:endParaRPr lang="en-GB"/>
+          </a:p>
+        </p:txBody>
+      </p:sp>
+      <p:sp>
+        <p:nvSpPr>
+          <p:cNvPr id="32" name="Rectangle 31"/>
+          <p:cNvSpPr/>
+          <p:nvPr/>
+        </p:nvSpPr>
+        <p:spPr>
+          <a:xfrm>
+            <a:off x="5914040" y="3604054"/>
+            <a:ext cx="866245" cy="45719"/>
+          </a:xfrm>
+          <a:prstGeom prst="rect">
+            <a:avLst/>
+          </a:prstGeom>
+          <a:solidFill>
+            <a:schemeClr val="tx1"/>
+          </a:solidFill>
+          <a:ln>
+            <a:solidFill>
+              <a:schemeClr val="tx1"/>
+            </a:solidFill>
           </a:ln>
         </p:spPr>
         <p:style>

--- a/LHC_MKI/figures/mki-design-layouts/alternative_screen_design.pptx
+++ b/LHC_MKI/figures/mki-design-layouts/alternative_screen_design.pptx
@@ -289,7 +289,7 @@
             <a:fld id="{933C7AF9-CE08-4F2A-8C1C-214B27C14414}" type="datetimeFigureOut">
               <a:rPr lang="en-GB" smtClean="0"/>
               <a:pPr/>
-              <a:t>23/01/2013</a:t>
+              <a:t>30/05/2013</a:t>
             </a:fld>
             <a:endParaRPr lang="en-GB"/>
           </a:p>
@@ -456,7 +456,7 @@
             <a:fld id="{933C7AF9-CE08-4F2A-8C1C-214B27C14414}" type="datetimeFigureOut">
               <a:rPr lang="en-GB" smtClean="0"/>
               <a:pPr/>
-              <a:t>23/01/2013</a:t>
+              <a:t>30/05/2013</a:t>
             </a:fld>
             <a:endParaRPr lang="en-GB"/>
           </a:p>
@@ -633,7 +633,7 @@
             <a:fld id="{933C7AF9-CE08-4F2A-8C1C-214B27C14414}" type="datetimeFigureOut">
               <a:rPr lang="en-GB" smtClean="0"/>
               <a:pPr/>
-              <a:t>23/01/2013</a:t>
+              <a:t>30/05/2013</a:t>
             </a:fld>
             <a:endParaRPr lang="en-GB"/>
           </a:p>
@@ -800,7 +800,7 @@
             <a:fld id="{933C7AF9-CE08-4F2A-8C1C-214B27C14414}" type="datetimeFigureOut">
               <a:rPr lang="en-GB" smtClean="0"/>
               <a:pPr/>
-              <a:t>23/01/2013</a:t>
+              <a:t>30/05/2013</a:t>
             </a:fld>
             <a:endParaRPr lang="en-GB"/>
           </a:p>
@@ -1043,7 +1043,7 @@
             <a:fld id="{933C7AF9-CE08-4F2A-8C1C-214B27C14414}" type="datetimeFigureOut">
               <a:rPr lang="en-GB" smtClean="0"/>
               <a:pPr/>
-              <a:t>23/01/2013</a:t>
+              <a:t>30/05/2013</a:t>
             </a:fld>
             <a:endParaRPr lang="en-GB"/>
           </a:p>
@@ -1328,7 +1328,7 @@
             <a:fld id="{933C7AF9-CE08-4F2A-8C1C-214B27C14414}" type="datetimeFigureOut">
               <a:rPr lang="en-GB" smtClean="0"/>
               <a:pPr/>
-              <a:t>23/01/2013</a:t>
+              <a:t>30/05/2013</a:t>
             </a:fld>
             <a:endParaRPr lang="en-GB"/>
           </a:p>
@@ -1747,7 +1747,7 @@
             <a:fld id="{933C7AF9-CE08-4F2A-8C1C-214B27C14414}" type="datetimeFigureOut">
               <a:rPr lang="en-GB" smtClean="0"/>
               <a:pPr/>
-              <a:t>23/01/2013</a:t>
+              <a:t>30/05/2013</a:t>
             </a:fld>
             <a:endParaRPr lang="en-GB"/>
           </a:p>
@@ -1862,7 +1862,7 @@
             <a:fld id="{933C7AF9-CE08-4F2A-8C1C-214B27C14414}" type="datetimeFigureOut">
               <a:rPr lang="en-GB" smtClean="0"/>
               <a:pPr/>
-              <a:t>23/01/2013</a:t>
+              <a:t>30/05/2013</a:t>
             </a:fld>
             <a:endParaRPr lang="en-GB"/>
           </a:p>
@@ -1954,7 +1954,7 @@
             <a:fld id="{933C7AF9-CE08-4F2A-8C1C-214B27C14414}" type="datetimeFigureOut">
               <a:rPr lang="en-GB" smtClean="0"/>
               <a:pPr/>
-              <a:t>23/01/2013</a:t>
+              <a:t>30/05/2013</a:t>
             </a:fld>
             <a:endParaRPr lang="en-GB"/>
           </a:p>
@@ -2228,7 +2228,7 @@
             <a:fld id="{933C7AF9-CE08-4F2A-8C1C-214B27C14414}" type="datetimeFigureOut">
               <a:rPr lang="en-GB" smtClean="0"/>
               <a:pPr/>
-              <a:t>23/01/2013</a:t>
+              <a:t>30/05/2013</a:t>
             </a:fld>
             <a:endParaRPr lang="en-GB"/>
           </a:p>
@@ -2478,7 +2478,7 @@
             <a:fld id="{933C7AF9-CE08-4F2A-8C1C-214B27C14414}" type="datetimeFigureOut">
               <a:rPr lang="en-GB" smtClean="0"/>
               <a:pPr/>
-              <a:t>23/01/2013</a:t>
+              <a:t>30/05/2013</a:t>
             </a:fld>
             <a:endParaRPr lang="en-GB"/>
           </a:p>
@@ -2688,7 +2688,7 @@
             <a:fld id="{933C7AF9-CE08-4F2A-8C1C-214B27C14414}" type="datetimeFigureOut">
               <a:rPr lang="en-GB" smtClean="0"/>
               <a:pPr/>
-              <a:t>23/01/2013</a:t>
+              <a:t>30/05/2013</a:t>
             </a:fld>
             <a:endParaRPr lang="en-GB"/>
           </a:p>
@@ -4347,102 +4347,6 @@
               <a:schemeClr val="tx1"/>
             </a:solidFill>
             <a:prstDash val="dash"/>
-          </a:ln>
-        </p:spPr>
-        <p:style>
-          <a:lnRef idx="2">
-            <a:schemeClr val="accent1">
-              <a:shade val="50000"/>
-            </a:schemeClr>
-          </a:lnRef>
-          <a:fillRef idx="1">
-            <a:schemeClr val="accent1"/>
-          </a:fillRef>
-          <a:effectRef idx="0">
-            <a:schemeClr val="accent1"/>
-          </a:effectRef>
-          <a:fontRef idx="minor">
-            <a:schemeClr val="lt1"/>
-          </a:fontRef>
-        </p:style>
-        <p:txBody>
-          <a:bodyPr rtlCol="0" anchor="ctr"/>
-          <a:lstStyle/>
-          <a:p>
-            <a:pPr algn="ctr"/>
-            <a:endParaRPr lang="en-GB"/>
-          </a:p>
-        </p:txBody>
-      </p:sp>
-      <p:sp>
-        <p:nvSpPr>
-          <p:cNvPr id="31" name="Rectangle 30"/>
-          <p:cNvSpPr/>
-          <p:nvPr/>
-        </p:nvSpPr>
-        <p:spPr>
-          <a:xfrm>
-            <a:off x="5904705" y="386353"/>
-            <a:ext cx="866245" cy="45719"/>
-          </a:xfrm>
-          <a:prstGeom prst="rect">
-            <a:avLst/>
-          </a:prstGeom>
-          <a:solidFill>
-            <a:schemeClr val="tx1"/>
-          </a:solidFill>
-          <a:ln>
-            <a:solidFill>
-              <a:schemeClr val="tx1"/>
-            </a:solidFill>
-          </a:ln>
-        </p:spPr>
-        <p:style>
-          <a:lnRef idx="2">
-            <a:schemeClr val="accent1">
-              <a:shade val="50000"/>
-            </a:schemeClr>
-          </a:lnRef>
-          <a:fillRef idx="1">
-            <a:schemeClr val="accent1"/>
-          </a:fillRef>
-          <a:effectRef idx="0">
-            <a:schemeClr val="accent1"/>
-          </a:effectRef>
-          <a:fontRef idx="minor">
-            <a:schemeClr val="lt1"/>
-          </a:fontRef>
-        </p:style>
-        <p:txBody>
-          <a:bodyPr rtlCol="0" anchor="ctr"/>
-          <a:lstStyle/>
-          <a:p>
-            <a:pPr algn="ctr"/>
-            <a:endParaRPr lang="en-GB"/>
-          </a:p>
-        </p:txBody>
-      </p:sp>
-      <p:sp>
-        <p:nvSpPr>
-          <p:cNvPr id="32" name="Rectangle 31"/>
-          <p:cNvSpPr/>
-          <p:nvPr/>
-        </p:nvSpPr>
-        <p:spPr>
-          <a:xfrm>
-            <a:off x="5914040" y="3604054"/>
-            <a:ext cx="866245" cy="45719"/>
-          </a:xfrm>
-          <a:prstGeom prst="rect">
-            <a:avLst/>
-          </a:prstGeom>
-          <a:solidFill>
-            <a:schemeClr val="tx1"/>
-          </a:solidFill>
-          <a:ln>
-            <a:solidFill>
-              <a:schemeClr val="tx1"/>
-            </a:solidFill>
           </a:ln>
         </p:spPr>
         <p:style>
